--- a/proceeding/my_proceeding/16437_P0.pptx
+++ b/proceeding/my_proceeding/16437_P0.pptx
@@ -6763,10 +6763,10 @@
                 <a:solidFill>
                   <a:schemeClr val="accent5"/>
                 </a:solidFill>
-                <a:latin typeface="Roboto"/>
-                <a:ea typeface="Roboto"/>
-                <a:cs typeface="Roboto"/>
-                <a:sym typeface="Roboto"/>
+                <a:latin typeface="Roboto Slab"/>
+                <a:ea typeface="Roboto Slab"/>
+                <a:cs typeface="Roboto Slab"/>
+                <a:sym typeface="Roboto Slab"/>
               </a:rPr>
               <a:t>認知科学実験室</a:t>
             </a:r>
@@ -6774,10 +6774,10 @@
               <a:solidFill>
                 <a:schemeClr val="accent5"/>
               </a:solidFill>
-              <a:latin typeface="Roboto"/>
-              <a:ea typeface="Roboto"/>
-              <a:cs typeface="Roboto"/>
-              <a:sym typeface="Roboto"/>
+              <a:latin typeface="Roboto Slab"/>
+              <a:ea typeface="Roboto Slab"/>
+              <a:cs typeface="Roboto Slab"/>
+              <a:sym typeface="Roboto Slab"/>
             </a:endParaRPr>
           </a:p>
         </p:txBody>
@@ -6880,14 +6880,29 @@
               <a:buNone/>
             </a:pPr>
             <a:r>
-              <a:rPr lang="ja"/>
+              <a:rPr lang="ja">
+                <a:latin typeface="Roboto Slab"/>
+                <a:ea typeface="Roboto Slab"/>
+                <a:cs typeface="Roboto Slab"/>
+                <a:sym typeface="Roboto Slab"/>
+              </a:rPr>
               <a:t>・元の</a:t>
             </a:r>
             <a:r>
-              <a:rPr lang="ja"/>
+              <a:rPr lang="ja">
+                <a:latin typeface="Roboto Slab"/>
+                <a:ea typeface="Roboto Slab"/>
+                <a:cs typeface="Roboto Slab"/>
+                <a:sym typeface="Roboto Slab"/>
+              </a:rPr>
               <a:t>秘密情報から、アルゴリズム(後述)に基づいて分散情報を作成し、複数人で管理する手法のこと。</a:t>
             </a:r>
-            <a:endParaRPr/>
+            <a:endParaRPr>
+              <a:latin typeface="Roboto Slab"/>
+              <a:ea typeface="Roboto Slab"/>
+              <a:cs typeface="Roboto Slab"/>
+              <a:sym typeface="Roboto Slab"/>
+            </a:endParaRPr>
           </a:p>
           <a:p>
             <a:pPr indent="0" lvl="0" marL="0" rtl="0" algn="l">
@@ -6900,10 +6915,20 @@
               <a:buNone/>
             </a:pPr>
             <a:r>
-              <a:rPr lang="ja"/>
+              <a:rPr lang="ja">
+                <a:latin typeface="Roboto Slab"/>
+                <a:ea typeface="Roboto Slab"/>
+                <a:cs typeface="Roboto Slab"/>
+                <a:sym typeface="Roboto Slab"/>
+              </a:rPr>
               <a:t>・秘密情報から分散情報を作成するものを「ディーラー」、管理するものを「参加者」、分散情報のことを「シェア」という。</a:t>
             </a:r>
-            <a:endParaRPr/>
+            <a:endParaRPr>
+              <a:latin typeface="Roboto Slab"/>
+              <a:ea typeface="Roboto Slab"/>
+              <a:cs typeface="Roboto Slab"/>
+              <a:sym typeface="Roboto Slab"/>
+            </a:endParaRPr>
           </a:p>
           <a:p>
             <a:pPr indent="0" lvl="0" marL="0" rtl="0" algn="l">
@@ -6916,10 +6941,20 @@
               <a:buNone/>
             </a:pPr>
             <a:r>
-              <a:rPr lang="ja"/>
+              <a:rPr lang="ja">
+                <a:latin typeface="Roboto Slab"/>
+                <a:ea typeface="Roboto Slab"/>
+                <a:cs typeface="Roboto Slab"/>
+                <a:sym typeface="Roboto Slab"/>
+              </a:rPr>
               <a:t>・分散情報自体からは元の秘密情報に関する情報は得られないが、決められた数だけ集めると復元が可能である。</a:t>
             </a:r>
-            <a:endParaRPr/>
+            <a:endParaRPr>
+              <a:latin typeface="Roboto Slab"/>
+              <a:ea typeface="Roboto Slab"/>
+              <a:cs typeface="Roboto Slab"/>
+              <a:sym typeface="Roboto Slab"/>
+            </a:endParaRPr>
           </a:p>
         </p:txBody>
       </p:sp>
@@ -7021,14 +7056,29 @@
               <a:buNone/>
             </a:pPr>
             <a:r>
-              <a:rPr lang="ja"/>
+              <a:rPr lang="ja">
+                <a:latin typeface="Roboto Slab"/>
+                <a:ea typeface="Roboto Slab"/>
+                <a:cs typeface="Roboto Slab"/>
+                <a:sym typeface="Roboto Slab"/>
+              </a:rPr>
               <a:t>・</a:t>
             </a:r>
             <a:r>
-              <a:rPr lang="ja"/>
+              <a:rPr lang="ja">
+                <a:latin typeface="Roboto Slab"/>
+                <a:ea typeface="Roboto Slab"/>
+                <a:cs typeface="Roboto Slab"/>
+                <a:sym typeface="Roboto Slab"/>
+              </a:rPr>
               <a:t>今回実装した秘密分散アルゴリズムは以下の3つである。</a:t>
             </a:r>
-            <a:endParaRPr/>
+            <a:endParaRPr>
+              <a:latin typeface="Roboto Slab"/>
+              <a:ea typeface="Roboto Slab"/>
+              <a:cs typeface="Roboto Slab"/>
+              <a:sym typeface="Roboto Slab"/>
+            </a:endParaRPr>
           </a:p>
           <a:p>
             <a:pPr indent="-342900" lvl="0" marL="457200" rtl="0" algn="l">
@@ -7039,13 +7089,24 @@
                 <a:spcPts val="0"/>
               </a:spcAft>
               <a:buSzPts val="1800"/>
+              <a:buFont typeface="Roboto Slab"/>
               <a:buAutoNum type="arabicPeriod"/>
             </a:pPr>
             <a:r>
-              <a:rPr lang="ja"/>
+              <a:rPr lang="ja">
+                <a:latin typeface="Roboto Slab"/>
+                <a:ea typeface="Roboto Slab"/>
+                <a:cs typeface="Roboto Slab"/>
+                <a:sym typeface="Roboto Slab"/>
+              </a:rPr>
               <a:t>加法的秘密分散法</a:t>
             </a:r>
-            <a:endParaRPr/>
+            <a:endParaRPr>
+              <a:latin typeface="Roboto Slab"/>
+              <a:ea typeface="Roboto Slab"/>
+              <a:cs typeface="Roboto Slab"/>
+              <a:sym typeface="Roboto Slab"/>
+            </a:endParaRPr>
           </a:p>
           <a:p>
             <a:pPr indent="-342900" lvl="0" marL="457200" rtl="0" algn="l">
@@ -7056,13 +7117,24 @@
                 <a:spcPts val="0"/>
               </a:spcAft>
               <a:buSzPts val="1800"/>
+              <a:buFont typeface="Roboto Slab"/>
               <a:buAutoNum type="arabicPeriod"/>
             </a:pPr>
             <a:r>
-              <a:rPr lang="ja"/>
+              <a:rPr lang="ja">
+                <a:latin typeface="Roboto Slab"/>
+                <a:ea typeface="Roboto Slab"/>
+                <a:cs typeface="Roboto Slab"/>
+                <a:sym typeface="Roboto Slab"/>
+              </a:rPr>
               <a:t>(k,n)秘密分散法</a:t>
             </a:r>
-            <a:endParaRPr/>
+            <a:endParaRPr>
+              <a:latin typeface="Roboto Slab"/>
+              <a:ea typeface="Roboto Slab"/>
+              <a:cs typeface="Roboto Slab"/>
+              <a:sym typeface="Roboto Slab"/>
+            </a:endParaRPr>
           </a:p>
           <a:p>
             <a:pPr indent="-342900" lvl="0" marL="457200" rtl="0" algn="l">
@@ -7073,13 +7145,24 @@
                 <a:spcPts val="0"/>
               </a:spcAft>
               <a:buSzPts val="1800"/>
+              <a:buFont typeface="Roboto Slab"/>
               <a:buAutoNum type="arabicPeriod"/>
             </a:pPr>
             <a:r>
-              <a:rPr lang="ja"/>
+              <a:rPr lang="ja">
+                <a:latin typeface="Roboto Slab"/>
+                <a:ea typeface="Roboto Slab"/>
+                <a:cs typeface="Roboto Slab"/>
+                <a:sym typeface="Roboto Slab"/>
+              </a:rPr>
               <a:t>(k,L,n)秘密分散法</a:t>
             </a:r>
-            <a:endParaRPr/>
+            <a:endParaRPr>
+              <a:latin typeface="Roboto Slab"/>
+              <a:ea typeface="Roboto Slab"/>
+              <a:cs typeface="Roboto Slab"/>
+              <a:sym typeface="Roboto Slab"/>
+            </a:endParaRPr>
           </a:p>
           <a:p>
             <a:pPr indent="0" lvl="0" marL="0" rtl="0" algn="l">
@@ -7092,10 +7175,20 @@
               <a:buNone/>
             </a:pPr>
             <a:r>
-              <a:rPr lang="ja"/>
+              <a:rPr lang="ja">
+                <a:latin typeface="Roboto Slab"/>
+                <a:ea typeface="Roboto Slab"/>
+                <a:cs typeface="Roboto Slab"/>
+                <a:sym typeface="Roboto Slab"/>
+              </a:rPr>
               <a:t>・1は乱数を用いて加法に基づいたアルゴリズムである。</a:t>
             </a:r>
-            <a:endParaRPr/>
+            <a:endParaRPr>
+              <a:latin typeface="Roboto Slab"/>
+              <a:ea typeface="Roboto Slab"/>
+              <a:cs typeface="Roboto Slab"/>
+              <a:sym typeface="Roboto Slab"/>
+            </a:endParaRPr>
           </a:p>
           <a:p>
             <a:pPr indent="0" lvl="0" marL="0" rtl="0" algn="l">
@@ -7108,10 +7201,20 @@
               <a:buNone/>
             </a:pPr>
             <a:r>
-              <a:rPr lang="ja"/>
+              <a:rPr lang="ja">
+                <a:latin typeface="Roboto Slab"/>
+                <a:ea typeface="Roboto Slab"/>
+                <a:cs typeface="Roboto Slab"/>
+                <a:sym typeface="Roboto Slab"/>
+              </a:rPr>
               <a:t>・2はShamirの提案した、多項式補間を用いたアルゴリズムである。また3は(k,n)秘密分散を拡張したアルゴリズムである。</a:t>
             </a:r>
-            <a:endParaRPr/>
+            <a:endParaRPr>
+              <a:latin typeface="Roboto Slab"/>
+              <a:ea typeface="Roboto Slab"/>
+              <a:cs typeface="Roboto Slab"/>
+              <a:sym typeface="Roboto Slab"/>
+            </a:endParaRPr>
           </a:p>
         </p:txBody>
       </p:sp>
@@ -7213,14 +7316,29 @@
               <a:buNone/>
             </a:pPr>
             <a:r>
-              <a:rPr lang="ja"/>
+              <a:rPr lang="ja">
+                <a:latin typeface="Roboto Slab"/>
+                <a:ea typeface="Roboto Slab"/>
+                <a:cs typeface="Roboto Slab"/>
+                <a:sym typeface="Roboto Slab"/>
+              </a:rPr>
               <a:t>・</a:t>
             </a:r>
             <a:r>
-              <a:rPr lang="ja"/>
+              <a:rPr lang="ja">
+                <a:latin typeface="Roboto Slab"/>
+                <a:ea typeface="Roboto Slab"/>
+                <a:cs typeface="Roboto Slab"/>
+                <a:sym typeface="Roboto Slab"/>
+              </a:rPr>
               <a:t>右図のようにシェルスクリプトとPythonでプログラムを作成する</a:t>
             </a:r>
-            <a:endParaRPr/>
+            <a:endParaRPr>
+              <a:latin typeface="Roboto Slab"/>
+              <a:ea typeface="Roboto Slab"/>
+              <a:cs typeface="Roboto Slab"/>
+              <a:sym typeface="Roboto Slab"/>
+            </a:endParaRPr>
           </a:p>
           <a:p>
             <a:pPr indent="0" lvl="0" marL="0" rtl="0" algn="l">
@@ -7233,10 +7351,20 @@
               <a:buNone/>
             </a:pPr>
             <a:r>
-              <a:rPr lang="ja"/>
+              <a:rPr lang="ja">
+                <a:latin typeface="Roboto Slab"/>
+                <a:ea typeface="Roboto Slab"/>
+                <a:cs typeface="Roboto Slab"/>
+                <a:sym typeface="Roboto Slab"/>
+              </a:rPr>
               <a:t>・1万行の「This is the Secret!」というテキストファイルを用意し3つのアルゴリズムで秘密分散を行う。</a:t>
             </a:r>
-            <a:endParaRPr/>
+            <a:endParaRPr>
+              <a:latin typeface="Roboto Slab"/>
+              <a:ea typeface="Roboto Slab"/>
+              <a:cs typeface="Roboto Slab"/>
+              <a:sym typeface="Roboto Slab"/>
+            </a:endParaRPr>
           </a:p>
           <a:p>
             <a:pPr indent="0" lvl="0" marL="0" rtl="0" algn="l">
@@ -7249,18 +7377,38 @@
               <a:buNone/>
             </a:pPr>
             <a:r>
-              <a:rPr lang="ja"/>
+              <a:rPr lang="ja">
+                <a:latin typeface="Roboto Slab"/>
+                <a:ea typeface="Roboto Slab"/>
+                <a:cs typeface="Roboto Slab"/>
+                <a:sym typeface="Roboto Slab"/>
+              </a:rPr>
               <a:t>・Pythonの実行にかかった時間及び</a:t>
             </a:r>
             <a:r>
-              <a:rPr lang="ja"/>
+              <a:rPr lang="ja">
+                <a:latin typeface="Roboto Slab"/>
+                <a:ea typeface="Roboto Slab"/>
+                <a:cs typeface="Roboto Slab"/>
+                <a:sym typeface="Roboto Slab"/>
+              </a:rPr>
               <a:t>生成されたシェアの平均サイズを</a:t>
             </a:r>
             <a:r>
-              <a:rPr lang="ja"/>
+              <a:rPr lang="ja">
+                <a:latin typeface="Roboto Slab"/>
+                <a:ea typeface="Roboto Slab"/>
+                <a:cs typeface="Roboto Slab"/>
+                <a:sym typeface="Roboto Slab"/>
+              </a:rPr>
               <a:t>計測する。</a:t>
             </a:r>
-            <a:endParaRPr/>
+            <a:endParaRPr>
+              <a:latin typeface="Roboto Slab"/>
+              <a:ea typeface="Roboto Slab"/>
+              <a:cs typeface="Roboto Slab"/>
+              <a:sym typeface="Roboto Slab"/>
+            </a:endParaRPr>
           </a:p>
         </p:txBody>
       </p:sp>
@@ -7390,7 +7538,12 @@
               <a:buNone/>
             </a:pPr>
             <a:r>
-              <a:rPr lang="ja"/>
+              <a:rPr lang="ja">
+                <a:latin typeface="Roboto Slab"/>
+                <a:ea typeface="Roboto Slab"/>
+                <a:cs typeface="Roboto Slab"/>
+                <a:sym typeface="Roboto Slab"/>
+              </a:rPr>
               <a:t>・</a:t>
             </a:r>
             <a:r>
@@ -7398,10 +7551,10 @@
                 <a:solidFill>
                   <a:srgbClr val="FFFFFF"/>
                 </a:solidFill>
-                <a:latin typeface="Arial"/>
-                <a:ea typeface="Arial"/>
-                <a:cs typeface="Arial"/>
-                <a:sym typeface="Arial"/>
+                <a:latin typeface="Roboto Slab"/>
+                <a:ea typeface="Roboto Slab"/>
+                <a:cs typeface="Roboto Slab"/>
+                <a:sym typeface="Roboto Slab"/>
               </a:rPr>
               <a:t>(k,L,n)秘密分散法は他の二つに比べて実行時間が圧倒的にかかった。</a:t>
             </a:r>
@@ -7409,10 +7562,10 @@
               <a:solidFill>
                 <a:srgbClr val="FFFFFF"/>
               </a:solidFill>
-              <a:latin typeface="Arial"/>
-              <a:ea typeface="Arial"/>
-              <a:cs typeface="Arial"/>
-              <a:sym typeface="Arial"/>
+              <a:latin typeface="Roboto Slab"/>
+              <a:ea typeface="Roboto Slab"/>
+              <a:cs typeface="Roboto Slab"/>
+              <a:sym typeface="Roboto Slab"/>
             </a:endParaRPr>
           </a:p>
           <a:p>
@@ -7430,10 +7583,10 @@
                 <a:solidFill>
                   <a:srgbClr val="FFFFFF"/>
                 </a:solidFill>
-                <a:latin typeface="Arial"/>
-                <a:ea typeface="Arial"/>
-                <a:cs typeface="Arial"/>
-                <a:sym typeface="Arial"/>
+                <a:latin typeface="Roboto Slab"/>
+                <a:ea typeface="Roboto Slab"/>
+                <a:cs typeface="Roboto Slab"/>
+                <a:sym typeface="Roboto Slab"/>
               </a:rPr>
               <a:t>・今回の実装方法・評価項目だと(k,n)秘密分散法が最も良いアルゴリズムだと言える。</a:t>
             </a:r>
@@ -7441,10 +7594,10 @@
               <a:solidFill>
                 <a:srgbClr val="FFFFFF"/>
               </a:solidFill>
-              <a:latin typeface="Arial"/>
-              <a:ea typeface="Arial"/>
-              <a:cs typeface="Arial"/>
-              <a:sym typeface="Arial"/>
+              <a:latin typeface="Roboto Slab"/>
+              <a:ea typeface="Roboto Slab"/>
+              <a:cs typeface="Roboto Slab"/>
+              <a:sym typeface="Roboto Slab"/>
             </a:endParaRPr>
           </a:p>
         </p:txBody>
@@ -7464,7 +7617,7 @@
             <a:tbl>
               <a:tblPr>
                 <a:noFill/>
-                <a:tableStyleId>{61D84AA3-548B-452D-B0A2-341F2C596BF6}</a:tableStyleId>
+                <a:tableStyleId>{67ED02A1-1099-4AE8-A705-2F6633953460}</a:tableStyleId>
               </a:tblPr>
               <a:tblGrid>
                 <a:gridCol w="2208525"/>
@@ -7491,6 +7644,10 @@
                           <a:solidFill>
                             <a:srgbClr val="FFFFFF"/>
                           </a:solidFill>
+                          <a:latin typeface="Roboto Slab"/>
+                          <a:ea typeface="Roboto Slab"/>
+                          <a:cs typeface="Roboto Slab"/>
+                          <a:sym typeface="Roboto Slab"/>
                         </a:rPr>
                         <a:t>アルゴリズム</a:t>
                       </a:r>
@@ -7498,6 +7655,10 @@
                         <a:solidFill>
                           <a:srgbClr val="FFFFFF"/>
                         </a:solidFill>
+                        <a:latin typeface="Roboto Slab"/>
+                        <a:ea typeface="Roboto Slab"/>
+                        <a:cs typeface="Roboto Slab"/>
+                        <a:sym typeface="Roboto Slab"/>
                       </a:endParaRPr>
                     </a:p>
                   </a:txBody>
@@ -7562,6 +7723,10 @@
                           <a:solidFill>
                             <a:srgbClr val="FFFFFF"/>
                           </a:solidFill>
+                          <a:latin typeface="Roboto Slab"/>
+                          <a:ea typeface="Roboto Slab"/>
+                          <a:cs typeface="Roboto Slab"/>
+                          <a:sym typeface="Roboto Slab"/>
                         </a:rPr>
                         <a:t>実行時間[s]</a:t>
                       </a:r>
@@ -7569,6 +7734,10 @@
                         <a:solidFill>
                           <a:srgbClr val="FFFFFF"/>
                         </a:solidFill>
+                        <a:latin typeface="Roboto Slab"/>
+                        <a:ea typeface="Roboto Slab"/>
+                        <a:cs typeface="Roboto Slab"/>
+                        <a:sym typeface="Roboto Slab"/>
                       </a:endParaRPr>
                     </a:p>
                   </a:txBody>
@@ -7633,6 +7802,10 @@
                           <a:solidFill>
                             <a:srgbClr val="FFFFFF"/>
                           </a:solidFill>
+                          <a:latin typeface="Roboto Slab"/>
+                          <a:ea typeface="Roboto Slab"/>
+                          <a:cs typeface="Roboto Slab"/>
+                          <a:sym typeface="Roboto Slab"/>
                         </a:rPr>
                         <a:t>平均ファイルサイズ[KB]</a:t>
                       </a:r>
@@ -7640,6 +7813,10 @@
                         <a:solidFill>
                           <a:srgbClr val="FFFFFF"/>
                         </a:solidFill>
+                        <a:latin typeface="Roboto Slab"/>
+                        <a:ea typeface="Roboto Slab"/>
+                        <a:cs typeface="Roboto Slab"/>
+                        <a:sym typeface="Roboto Slab"/>
                       </a:endParaRPr>
                     </a:p>
                   </a:txBody>
@@ -7706,6 +7883,10 @@
                           <a:solidFill>
                             <a:srgbClr val="FFFFFF"/>
                           </a:solidFill>
+                          <a:latin typeface="Roboto Slab"/>
+                          <a:ea typeface="Roboto Slab"/>
+                          <a:cs typeface="Roboto Slab"/>
+                          <a:sym typeface="Roboto Slab"/>
                         </a:rPr>
                         <a:t>加法的秘密分散法</a:t>
                       </a:r>
@@ -7713,6 +7894,10 @@
                         <a:solidFill>
                           <a:srgbClr val="FFFFFF"/>
                         </a:solidFill>
+                        <a:latin typeface="Roboto Slab"/>
+                        <a:ea typeface="Roboto Slab"/>
+                        <a:cs typeface="Roboto Slab"/>
+                        <a:sym typeface="Roboto Slab"/>
                       </a:endParaRPr>
                     </a:p>
                   </a:txBody>
@@ -7777,6 +7962,10 @@
                           <a:solidFill>
                             <a:srgbClr val="FFFFFF"/>
                           </a:solidFill>
+                          <a:latin typeface="Roboto Slab"/>
+                          <a:ea typeface="Roboto Slab"/>
+                          <a:cs typeface="Roboto Slab"/>
+                          <a:sym typeface="Roboto Slab"/>
                         </a:rPr>
                         <a:t>3.154</a:t>
                       </a:r>
@@ -7784,6 +7973,10 @@
                         <a:solidFill>
                           <a:srgbClr val="FFFFFF"/>
                         </a:solidFill>
+                        <a:latin typeface="Roboto Slab"/>
+                        <a:ea typeface="Roboto Slab"/>
+                        <a:cs typeface="Roboto Slab"/>
+                        <a:sym typeface="Roboto Slab"/>
                       </a:endParaRPr>
                     </a:p>
                   </a:txBody>
@@ -7848,6 +8041,10 @@
                           <a:solidFill>
                             <a:srgbClr val="FFFFFF"/>
                           </a:solidFill>
+                          <a:latin typeface="Roboto Slab"/>
+                          <a:ea typeface="Roboto Slab"/>
+                          <a:cs typeface="Roboto Slab"/>
+                          <a:sym typeface="Roboto Slab"/>
                         </a:rPr>
                         <a:t>約637</a:t>
                       </a:r>
@@ -7855,6 +8052,10 @@
                         <a:solidFill>
                           <a:srgbClr val="FFFFFF"/>
                         </a:solidFill>
+                        <a:latin typeface="Roboto Slab"/>
+                        <a:ea typeface="Roboto Slab"/>
+                        <a:cs typeface="Roboto Slab"/>
+                        <a:sym typeface="Roboto Slab"/>
                       </a:endParaRPr>
                     </a:p>
                   </a:txBody>
@@ -7921,6 +8122,10 @@
                           <a:solidFill>
                             <a:srgbClr val="FFFFFF"/>
                           </a:solidFill>
+                          <a:latin typeface="Roboto Slab"/>
+                          <a:ea typeface="Roboto Slab"/>
+                          <a:cs typeface="Roboto Slab"/>
+                          <a:sym typeface="Roboto Slab"/>
                         </a:rPr>
                         <a:t>(k,n)秘密分散法</a:t>
                       </a:r>
@@ -7928,6 +8133,10 @@
                         <a:solidFill>
                           <a:srgbClr val="FFFFFF"/>
                         </a:solidFill>
+                        <a:latin typeface="Roboto Slab"/>
+                        <a:ea typeface="Roboto Slab"/>
+                        <a:cs typeface="Roboto Slab"/>
+                        <a:sym typeface="Roboto Slab"/>
                       </a:endParaRPr>
                     </a:p>
                   </a:txBody>
@@ -7992,6 +8201,10 @@
                           <a:solidFill>
                             <a:srgbClr val="FFFFFF"/>
                           </a:solidFill>
+                          <a:latin typeface="Roboto Slab"/>
+                          <a:ea typeface="Roboto Slab"/>
+                          <a:cs typeface="Roboto Slab"/>
+                          <a:sym typeface="Roboto Slab"/>
                         </a:rPr>
                         <a:t>6.956</a:t>
                       </a:r>
@@ -7999,6 +8212,10 @@
                         <a:solidFill>
                           <a:srgbClr val="FFFFFF"/>
                         </a:solidFill>
+                        <a:latin typeface="Roboto Slab"/>
+                        <a:ea typeface="Roboto Slab"/>
+                        <a:cs typeface="Roboto Slab"/>
+                        <a:sym typeface="Roboto Slab"/>
                       </a:endParaRPr>
                     </a:p>
                   </a:txBody>
@@ -8063,6 +8280,10 @@
                           <a:solidFill>
                             <a:srgbClr val="FFFFFF"/>
                           </a:solidFill>
+                          <a:latin typeface="Roboto Slab"/>
+                          <a:ea typeface="Roboto Slab"/>
+                          <a:cs typeface="Roboto Slab"/>
+                          <a:sym typeface="Roboto Slab"/>
                         </a:rPr>
                         <a:t>約583</a:t>
                       </a:r>
@@ -8070,6 +8291,10 @@
                         <a:solidFill>
                           <a:srgbClr val="FFFFFF"/>
                         </a:solidFill>
+                        <a:latin typeface="Roboto Slab"/>
+                        <a:ea typeface="Roboto Slab"/>
+                        <a:cs typeface="Roboto Slab"/>
+                        <a:sym typeface="Roboto Slab"/>
                       </a:endParaRPr>
                     </a:p>
                   </a:txBody>
@@ -8136,6 +8361,10 @@
                           <a:solidFill>
                             <a:srgbClr val="FFFFFF"/>
                           </a:solidFill>
+                          <a:latin typeface="Roboto Slab"/>
+                          <a:ea typeface="Roboto Slab"/>
+                          <a:cs typeface="Roboto Slab"/>
+                          <a:sym typeface="Roboto Slab"/>
                         </a:rPr>
                         <a:t>(k,L,n)秘密分散法</a:t>
                       </a:r>
@@ -8143,6 +8372,10 @@
                         <a:solidFill>
                           <a:srgbClr val="FFFFFF"/>
                         </a:solidFill>
+                        <a:latin typeface="Roboto Slab"/>
+                        <a:ea typeface="Roboto Slab"/>
+                        <a:cs typeface="Roboto Slab"/>
+                        <a:sym typeface="Roboto Slab"/>
                       </a:endParaRPr>
                     </a:p>
                   </a:txBody>
@@ -8207,6 +8440,10 @@
                           <a:solidFill>
                             <a:srgbClr val="FFFFFF"/>
                           </a:solidFill>
+                          <a:latin typeface="Roboto Slab"/>
+                          <a:ea typeface="Roboto Slab"/>
+                          <a:cs typeface="Roboto Slab"/>
+                          <a:sym typeface="Roboto Slab"/>
                         </a:rPr>
                         <a:t>2145.62</a:t>
                       </a:r>
@@ -8214,6 +8451,10 @@
                         <a:solidFill>
                           <a:srgbClr val="FFFFFF"/>
                         </a:solidFill>
+                        <a:latin typeface="Roboto Slab"/>
+                        <a:ea typeface="Roboto Slab"/>
+                        <a:cs typeface="Roboto Slab"/>
+                        <a:sym typeface="Roboto Slab"/>
                       </a:endParaRPr>
                     </a:p>
                   </a:txBody>
@@ -8278,6 +8519,10 @@
                           <a:solidFill>
                             <a:srgbClr val="FFFFFF"/>
                           </a:solidFill>
+                          <a:latin typeface="Roboto Slab"/>
+                          <a:ea typeface="Roboto Slab"/>
+                          <a:cs typeface="Roboto Slab"/>
+                          <a:sym typeface="Roboto Slab"/>
                         </a:rPr>
                         <a:t>約583</a:t>
                       </a:r>
@@ -8285,6 +8530,10 @@
                         <a:solidFill>
                           <a:srgbClr val="FFFFFF"/>
                         </a:solidFill>
+                        <a:latin typeface="Roboto Slab"/>
+                        <a:ea typeface="Roboto Slab"/>
+                        <a:cs typeface="Roboto Slab"/>
+                        <a:sym typeface="Roboto Slab"/>
                       </a:endParaRPr>
                     </a:p>
                   </a:txBody>
@@ -8433,14 +8682,29 @@
               <a:buNone/>
             </a:pPr>
             <a:r>
-              <a:rPr lang="ja"/>
+              <a:rPr lang="ja">
+                <a:latin typeface="Roboto Slab"/>
+                <a:ea typeface="Roboto Slab"/>
+                <a:cs typeface="Roboto Slab"/>
+                <a:sym typeface="Roboto Slab"/>
+              </a:rPr>
               <a:t>・</a:t>
             </a:r>
             <a:r>
-              <a:rPr lang="ja"/>
+              <a:rPr lang="ja">
+                <a:latin typeface="Roboto Slab"/>
+                <a:ea typeface="Roboto Slab"/>
+                <a:cs typeface="Roboto Slab"/>
+                <a:sym typeface="Roboto Slab"/>
+              </a:rPr>
               <a:t>加法的秘密分散法は-(2^16-1)から(2^16-1)の範囲で乱数を生成していたため、GF(65537)上で演算をしていた他の二つよりもサイズが大きいと考えられる。</a:t>
             </a:r>
-            <a:endParaRPr/>
+            <a:endParaRPr>
+              <a:latin typeface="Roboto Slab"/>
+              <a:ea typeface="Roboto Slab"/>
+              <a:cs typeface="Roboto Slab"/>
+              <a:sym typeface="Roboto Slab"/>
+            </a:endParaRPr>
           </a:p>
           <a:p>
             <a:pPr indent="0" lvl="0" marL="0" rtl="0" algn="l">
@@ -8453,7 +8717,12 @@
               <a:buNone/>
             </a:pPr>
             <a:r>
-              <a:rPr lang="ja"/>
+              <a:rPr lang="ja">
+                <a:latin typeface="Roboto Slab"/>
+                <a:ea typeface="Roboto Slab"/>
+                <a:cs typeface="Roboto Slab"/>
+                <a:sym typeface="Roboto Slab"/>
+              </a:rPr>
               <a:t>・</a:t>
             </a:r>
             <a:r>
@@ -8461,14 +8730,19 @@
                 <a:solidFill>
                   <a:srgbClr val="FFFFFF"/>
                 </a:solidFill>
-                <a:latin typeface="Arial"/>
-                <a:ea typeface="Arial"/>
-                <a:cs typeface="Arial"/>
-                <a:sym typeface="Arial"/>
+                <a:latin typeface="Roboto Slab"/>
+                <a:ea typeface="Roboto Slab"/>
+                <a:cs typeface="Roboto Slab"/>
+                <a:sym typeface="Roboto Slab"/>
               </a:rPr>
               <a:t>(k,L,n)秘密分散法は逆行列計算を行っていたため、他の２つと比べて非常に時間がかかった。</a:t>
             </a:r>
-            <a:endParaRPr/>
+            <a:endParaRPr>
+              <a:latin typeface="Roboto Slab"/>
+              <a:ea typeface="Roboto Slab"/>
+              <a:cs typeface="Roboto Slab"/>
+              <a:sym typeface="Roboto Slab"/>
+            </a:endParaRPr>
           </a:p>
           <a:p>
             <a:pPr indent="0" lvl="0" marL="0" rtl="0" algn="l">
@@ -8481,7 +8755,12 @@
               <a:buNone/>
             </a:pPr>
             <a:r>
-              <a:rPr lang="ja"/>
+              <a:rPr lang="ja">
+                <a:latin typeface="Roboto Slab"/>
+                <a:ea typeface="Roboto Slab"/>
+                <a:cs typeface="Roboto Slab"/>
+                <a:sym typeface="Roboto Slab"/>
+              </a:rPr>
               <a:t>・各アルゴリズムにおいて条件を揃えるためにファイル入出力を同じプログラムで行っていたため、</a:t>
             </a:r>
             <a:r>
@@ -8489,14 +8768,19 @@
                 <a:solidFill>
                   <a:srgbClr val="FFFFFF"/>
                 </a:solidFill>
-                <a:latin typeface="Arial"/>
-                <a:ea typeface="Arial"/>
-                <a:cs typeface="Arial"/>
-                <a:sym typeface="Arial"/>
+                <a:latin typeface="Roboto Slab"/>
+                <a:ea typeface="Roboto Slab"/>
+                <a:cs typeface="Roboto Slab"/>
+                <a:sym typeface="Roboto Slab"/>
               </a:rPr>
               <a:t>(k,n)秘密分散法と(k,L,n)秘密分散法の違いがあまり見られなかった。</a:t>
             </a:r>
-            <a:endParaRPr/>
+            <a:endParaRPr>
+              <a:latin typeface="Roboto Slab"/>
+              <a:ea typeface="Roboto Slab"/>
+              <a:cs typeface="Roboto Slab"/>
+              <a:sym typeface="Roboto Slab"/>
+            </a:endParaRPr>
           </a:p>
         </p:txBody>
       </p:sp>
@@ -8509,6 +8793,285 @@
 </file>
 
 <file path=ppt/theme/theme1.xml><?xml version="1.0" encoding="utf-8"?>
+<a:theme xmlns:a="http://schemas.openxmlformats.org/drawingml/2006/main" xmlns:r="http://schemas.openxmlformats.org/officeDocument/2006/relationships" name="Marina">
+  <a:themeElements>
+    <a:clrScheme name="Marina">
+      <a:dk1>
+        <a:srgbClr val="FFFFFF"/>
+      </a:dk1>
+      <a:lt1>
+        <a:srgbClr val="00517C"/>
+      </a:lt1>
+      <a:dk2>
+        <a:srgbClr val="004065"/>
+      </a:dk2>
+      <a:lt2>
+        <a:srgbClr val="CFD8DC"/>
+      </a:lt2>
+      <a:accent1>
+        <a:srgbClr val="0277BD"/>
+      </a:accent1>
+      <a:accent2>
+        <a:srgbClr val="558B2F"/>
+      </a:accent2>
+      <a:accent3>
+        <a:srgbClr val="009688"/>
+      </a:accent3>
+      <a:accent4>
+        <a:srgbClr val="039BE5"/>
+      </a:accent4>
+      <a:accent5>
+        <a:srgbClr val="8BC34A"/>
+      </a:accent5>
+      <a:accent6>
+        <a:srgbClr val="FFEB38"/>
+      </a:accent6>
+      <a:hlink>
+        <a:srgbClr val="8BC34A"/>
+      </a:hlink>
+      <a:folHlink>
+        <a:srgbClr val="8BC34A"/>
+      </a:folHlink>
+    </a:clrScheme>
+    <a:fontScheme name="Office">
+      <a:majorFont>
+        <a:latin typeface="Arial"/>
+        <a:ea typeface=""/>
+        <a:cs typeface=""/>
+        <a:font script="Jpan" typeface="ＭＳ Ｐゴシック"/>
+        <a:font script="Hang" typeface="맑은 고딕"/>
+        <a:font script="Hans" typeface="宋体"/>
+        <a:font script="Hant" typeface="新細明體"/>
+        <a:font script="Arab" typeface="Times New Roman"/>
+        <a:font script="Hebr" typeface="Times New Roman"/>
+        <a:font script="Thai" typeface="Angsana New"/>
+        <a:font script="Ethi" typeface="Nyala"/>
+        <a:font script="Beng" typeface="Vrinda"/>
+        <a:font script="Gujr" typeface="Shruti"/>
+        <a:font script="Khmr" typeface="MoolBoran"/>
+        <a:font script="Knda" typeface="Tunga"/>
+        <a:font script="Guru" typeface="Raavi"/>
+        <a:font script="Cans" typeface="Euphemia"/>
+        <a:font script="Cher" typeface="Plantagenet Cherokee"/>
+        <a:font script="Yiii" typeface="Microsoft Yi Baiti"/>
+        <a:font script="Tibt" typeface="Microsoft Himalaya"/>
+        <a:font script="Thaa" typeface="MV Boli"/>
+        <a:font script="Deva" typeface="Mangal"/>
+        <a:font script="Telu" typeface="Gautami"/>
+        <a:font script="Taml" typeface="Latha"/>
+        <a:font script="Syrc" typeface="Estrangelo Edessa"/>
+        <a:font script="Orya" typeface="Kalinga"/>
+        <a:font script="Mlym" typeface="Kartika"/>
+        <a:font script="Laoo" typeface="DokChampa"/>
+        <a:font script="Sinh" typeface="Iskoola Pota"/>
+        <a:font script="Mong" typeface="Mongolian Baiti"/>
+        <a:font script="Viet" typeface="Times New Roman"/>
+        <a:font script="Uigh" typeface="Microsoft Uighur"/>
+        <a:font script="Geor" typeface="Sylfaen"/>
+      </a:majorFont>
+      <a:minorFont>
+        <a:latin typeface="Arial"/>
+        <a:ea typeface=""/>
+        <a:cs typeface=""/>
+        <a:font script="Jpan" typeface="ＭＳ Ｐゴシック"/>
+        <a:font script="Hang" typeface="맑은 고딕"/>
+        <a:font script="Hans" typeface="宋体"/>
+        <a:font script="Hant" typeface="新細明體"/>
+        <a:font script="Arab" typeface="Arial"/>
+        <a:font script="Hebr" typeface="Arial"/>
+        <a:font script="Thai" typeface="Cordia New"/>
+        <a:font script="Ethi" typeface="Nyala"/>
+        <a:font script="Beng" typeface="Vrinda"/>
+        <a:font script="Gujr" typeface="Shruti"/>
+        <a:font script="Khmr" typeface="DaunPenh"/>
+        <a:font script="Knda" typeface="Tunga"/>
+        <a:font script="Guru" typeface="Raavi"/>
+        <a:font script="Cans" typeface="Euphemia"/>
+        <a:font script="Cher" typeface="Plantagenet Cherokee"/>
+        <a:font script="Yiii" typeface="Microsoft Yi Baiti"/>
+        <a:font script="Tibt" typeface="Microsoft Himalaya"/>
+        <a:font script="Thaa" typeface="MV Boli"/>
+        <a:font script="Deva" typeface="Mangal"/>
+        <a:font script="Telu" typeface="Gautami"/>
+        <a:font script="Taml" typeface="Latha"/>
+        <a:font script="Syrc" typeface="Estrangelo Edessa"/>
+        <a:font script="Orya" typeface="Kalinga"/>
+        <a:font script="Mlym" typeface="Kartika"/>
+        <a:font script="Laoo" typeface="DokChampa"/>
+        <a:font script="Sinh" typeface="Iskoola Pota"/>
+        <a:font script="Mong" typeface="Mongolian Baiti"/>
+        <a:font script="Viet" typeface="Arial"/>
+        <a:font script="Uigh" typeface="Microsoft Uighur"/>
+        <a:font script="Geor" typeface="Sylfaen"/>
+      </a:minorFont>
+    </a:fontScheme>
+    <a:fmtScheme name="Office">
+      <a:fillStyleLst>
+        <a:solidFill>
+          <a:schemeClr val="phClr"/>
+        </a:solidFill>
+        <a:gradFill rotWithShape="1">
+          <a:gsLst>
+            <a:gs pos="0">
+              <a:schemeClr val="phClr">
+                <a:tint val="50000"/>
+                <a:satMod val="300000"/>
+              </a:schemeClr>
+            </a:gs>
+            <a:gs pos="35000">
+              <a:schemeClr val="phClr">
+                <a:tint val="37000"/>
+                <a:satMod val="300000"/>
+              </a:schemeClr>
+            </a:gs>
+            <a:gs pos="100000">
+              <a:schemeClr val="phClr">
+                <a:tint val="15000"/>
+                <a:satMod val="350000"/>
+              </a:schemeClr>
+            </a:gs>
+          </a:gsLst>
+          <a:lin ang="16200000" scaled="1"/>
+        </a:gradFill>
+        <a:gradFill rotWithShape="1">
+          <a:gsLst>
+            <a:gs pos="0">
+              <a:schemeClr val="phClr">
+                <a:tint val="100000"/>
+                <a:shade val="100000"/>
+                <a:satMod val="130000"/>
+              </a:schemeClr>
+            </a:gs>
+            <a:gs pos="100000">
+              <a:schemeClr val="phClr">
+                <a:tint val="50000"/>
+                <a:shade val="100000"/>
+                <a:satMod val="350000"/>
+              </a:schemeClr>
+            </a:gs>
+          </a:gsLst>
+          <a:lin ang="16200000" scaled="0"/>
+        </a:gradFill>
+      </a:fillStyleLst>
+      <a:lnStyleLst>
+        <a:ln w="9525" cap="flat" cmpd="sng" algn="ctr">
+          <a:solidFill>
+            <a:schemeClr val="phClr">
+              <a:shade val="95000"/>
+              <a:satMod val="105000"/>
+            </a:schemeClr>
+          </a:solidFill>
+          <a:prstDash val="solid"/>
+        </a:ln>
+        <a:ln w="25400" cap="flat" cmpd="sng" algn="ctr">
+          <a:solidFill>
+            <a:schemeClr val="phClr"/>
+          </a:solidFill>
+          <a:prstDash val="solid"/>
+        </a:ln>
+        <a:ln w="38100" cap="flat" cmpd="sng" algn="ctr">
+          <a:solidFill>
+            <a:schemeClr val="phClr"/>
+          </a:solidFill>
+          <a:prstDash val="solid"/>
+        </a:ln>
+      </a:lnStyleLst>
+      <a:effectStyleLst>
+        <a:effectStyle>
+          <a:effectLst>
+            <a:outerShdw blurRad="40000" dist="20000" dir="5400000" rotWithShape="0">
+              <a:srgbClr val="000000">
+                <a:alpha val="38000"/>
+              </a:srgbClr>
+            </a:outerShdw>
+          </a:effectLst>
+        </a:effectStyle>
+        <a:effectStyle>
+          <a:effectLst>
+            <a:outerShdw blurRad="40000" dist="23000" dir="5400000" rotWithShape="0">
+              <a:srgbClr val="000000">
+                <a:alpha val="35000"/>
+              </a:srgbClr>
+            </a:outerShdw>
+          </a:effectLst>
+        </a:effectStyle>
+        <a:effectStyle>
+          <a:effectLst>
+            <a:outerShdw blurRad="40000" dist="23000" dir="5400000" rotWithShape="0">
+              <a:srgbClr val="000000">
+                <a:alpha val="35000"/>
+              </a:srgbClr>
+            </a:outerShdw>
+          </a:effectLst>
+          <a:scene3d>
+            <a:camera prst="orthographicFront">
+              <a:rot lat="0" lon="0" rev="0"/>
+            </a:camera>
+            <a:lightRig rig="threePt" dir="t">
+              <a:rot lat="0" lon="0" rev="1200000"/>
+            </a:lightRig>
+          </a:scene3d>
+          <a:sp3d>
+            <a:bevelT w="63500" h="25400"/>
+          </a:sp3d>
+        </a:effectStyle>
+      </a:effectStyleLst>
+      <a:bgFillStyleLst>
+        <a:solidFill>
+          <a:schemeClr val="phClr"/>
+        </a:solidFill>
+        <a:gradFill rotWithShape="1">
+          <a:gsLst>
+            <a:gs pos="0">
+              <a:schemeClr val="phClr">
+                <a:tint val="40000"/>
+                <a:satMod val="350000"/>
+              </a:schemeClr>
+            </a:gs>
+            <a:gs pos="40000">
+              <a:schemeClr val="phClr">
+                <a:tint val="45000"/>
+                <a:shade val="99000"/>
+                <a:satMod val="350000"/>
+              </a:schemeClr>
+            </a:gs>
+            <a:gs pos="100000">
+              <a:schemeClr val="phClr">
+                <a:shade val="20000"/>
+                <a:satMod val="255000"/>
+              </a:schemeClr>
+            </a:gs>
+          </a:gsLst>
+          <a:path path="circle">
+            <a:fillToRect l="50000" t="-80000" r="50000" b="180000"/>
+          </a:path>
+        </a:gradFill>
+        <a:gradFill rotWithShape="1">
+          <a:gsLst>
+            <a:gs pos="0">
+              <a:schemeClr val="phClr">
+                <a:tint val="80000"/>
+                <a:satMod val="300000"/>
+              </a:schemeClr>
+            </a:gs>
+            <a:gs pos="100000">
+              <a:schemeClr val="phClr">
+                <a:shade val="30000"/>
+                <a:satMod val="200000"/>
+              </a:schemeClr>
+            </a:gs>
+          </a:gsLst>
+          <a:path path="circle">
+            <a:fillToRect l="50000" t="50000" r="50000" b="50000"/>
+          </a:path>
+        </a:gradFill>
+      </a:bgFillStyleLst>
+    </a:fmtScheme>
+  </a:themeElements>
+</a:theme>
+</file>
+
+<file path=ppt/theme/theme2.xml><?xml version="1.0" encoding="utf-8"?>
 <a:theme xmlns:a="http://schemas.openxmlformats.org/drawingml/2006/main" xmlns:r="http://schemas.openxmlformats.org/officeDocument/2006/relationships">
   <a:themeElements>
     <a:clrScheme name="Default">
@@ -8785,283 +9348,4 @@
     </a:fmtScheme>
   </a:themeElements>
 </a:theme>
-</file>
-
-<file path=ppt/theme/theme2.xml><?xml version="1.0" encoding="utf-8"?>
-<a:theme xmlns:a="http://schemas.openxmlformats.org/drawingml/2006/main" xmlns:r="http://schemas.openxmlformats.org/officeDocument/2006/relationships" name="Marina">
-  <a:themeElements>
-    <a:clrScheme name="Marina">
-      <a:dk1>
-        <a:srgbClr val="FFFFFF"/>
-      </a:dk1>
-      <a:lt1>
-        <a:srgbClr val="00517C"/>
-      </a:lt1>
-      <a:dk2>
-        <a:srgbClr val="004065"/>
-      </a:dk2>
-      <a:lt2>
-        <a:srgbClr val="CFD8DC"/>
-      </a:lt2>
-      <a:accent1>
-        <a:srgbClr val="0277BD"/>
-      </a:accent1>
-      <a:accent2>
-        <a:srgbClr val="558B2F"/>
-      </a:accent2>
-      <a:accent3>
-        <a:srgbClr val="009688"/>
-      </a:accent3>
-      <a:accent4>
-        <a:srgbClr val="039BE5"/>
-      </a:accent4>
-      <a:accent5>
-        <a:srgbClr val="8BC34A"/>
-      </a:accent5>
-      <a:accent6>
-        <a:srgbClr val="FFEB38"/>
-      </a:accent6>
-      <a:hlink>
-        <a:srgbClr val="8BC34A"/>
-      </a:hlink>
-      <a:folHlink>
-        <a:srgbClr val="8BC34A"/>
-      </a:folHlink>
-    </a:clrScheme>
-    <a:fontScheme name="Office">
-      <a:majorFont>
-        <a:latin typeface="Arial"/>
-        <a:ea typeface=""/>
-        <a:cs typeface=""/>
-        <a:font script="Jpan" typeface="ＭＳ Ｐゴシック"/>
-        <a:font script="Hang" typeface="맑은 고딕"/>
-        <a:font script="Hans" typeface="宋体"/>
-        <a:font script="Hant" typeface="新細明體"/>
-        <a:font script="Arab" typeface="Times New Roman"/>
-        <a:font script="Hebr" typeface="Times New Roman"/>
-        <a:font script="Thai" typeface="Angsana New"/>
-        <a:font script="Ethi" typeface="Nyala"/>
-        <a:font script="Beng" typeface="Vrinda"/>
-        <a:font script="Gujr" typeface="Shruti"/>
-        <a:font script="Khmr" typeface="MoolBoran"/>
-        <a:font script="Knda" typeface="Tunga"/>
-        <a:font script="Guru" typeface="Raavi"/>
-        <a:font script="Cans" typeface="Euphemia"/>
-        <a:font script="Cher" typeface="Plantagenet Cherokee"/>
-        <a:font script="Yiii" typeface="Microsoft Yi Baiti"/>
-        <a:font script="Tibt" typeface="Microsoft Himalaya"/>
-        <a:font script="Thaa" typeface="MV Boli"/>
-        <a:font script="Deva" typeface="Mangal"/>
-        <a:font script="Telu" typeface="Gautami"/>
-        <a:font script="Taml" typeface="Latha"/>
-        <a:font script="Syrc" typeface="Estrangelo Edessa"/>
-        <a:font script="Orya" typeface="Kalinga"/>
-        <a:font script="Mlym" typeface="Kartika"/>
-        <a:font script="Laoo" typeface="DokChampa"/>
-        <a:font script="Sinh" typeface="Iskoola Pota"/>
-        <a:font script="Mong" typeface="Mongolian Baiti"/>
-        <a:font script="Viet" typeface="Times New Roman"/>
-        <a:font script="Uigh" typeface="Microsoft Uighur"/>
-        <a:font script="Geor" typeface="Sylfaen"/>
-      </a:majorFont>
-      <a:minorFont>
-        <a:latin typeface="Arial"/>
-        <a:ea typeface=""/>
-        <a:cs typeface=""/>
-        <a:font script="Jpan" typeface="ＭＳ Ｐゴシック"/>
-        <a:font script="Hang" typeface="맑은 고딕"/>
-        <a:font script="Hans" typeface="宋体"/>
-        <a:font script="Hant" typeface="新細明體"/>
-        <a:font script="Arab" typeface="Arial"/>
-        <a:font script="Hebr" typeface="Arial"/>
-        <a:font script="Thai" typeface="Cordia New"/>
-        <a:font script="Ethi" typeface="Nyala"/>
-        <a:font script="Beng" typeface="Vrinda"/>
-        <a:font script="Gujr" typeface="Shruti"/>
-        <a:font script="Khmr" typeface="DaunPenh"/>
-        <a:font script="Knda" typeface="Tunga"/>
-        <a:font script="Guru" typeface="Raavi"/>
-        <a:font script="Cans" typeface="Euphemia"/>
-        <a:font script="Cher" typeface="Plantagenet Cherokee"/>
-        <a:font script="Yiii" typeface="Microsoft Yi Baiti"/>
-        <a:font script="Tibt" typeface="Microsoft Himalaya"/>
-        <a:font script="Thaa" typeface="MV Boli"/>
-        <a:font script="Deva" typeface="Mangal"/>
-        <a:font script="Telu" typeface="Gautami"/>
-        <a:font script="Taml" typeface="Latha"/>
-        <a:font script="Syrc" typeface="Estrangelo Edessa"/>
-        <a:font script="Orya" typeface="Kalinga"/>
-        <a:font script="Mlym" typeface="Kartika"/>
-        <a:font script="Laoo" typeface="DokChampa"/>
-        <a:font script="Sinh" typeface="Iskoola Pota"/>
-        <a:font script="Mong" typeface="Mongolian Baiti"/>
-        <a:font script="Viet" typeface="Arial"/>
-        <a:font script="Uigh" typeface="Microsoft Uighur"/>
-        <a:font script="Geor" typeface="Sylfaen"/>
-      </a:minorFont>
-    </a:fontScheme>
-    <a:fmtScheme name="Office">
-      <a:fillStyleLst>
-        <a:solidFill>
-          <a:schemeClr val="phClr"/>
-        </a:solidFill>
-        <a:gradFill rotWithShape="1">
-          <a:gsLst>
-            <a:gs pos="0">
-              <a:schemeClr val="phClr">
-                <a:tint val="50000"/>
-                <a:satMod val="300000"/>
-              </a:schemeClr>
-            </a:gs>
-            <a:gs pos="35000">
-              <a:schemeClr val="phClr">
-                <a:tint val="37000"/>
-                <a:satMod val="300000"/>
-              </a:schemeClr>
-            </a:gs>
-            <a:gs pos="100000">
-              <a:schemeClr val="phClr">
-                <a:tint val="15000"/>
-                <a:satMod val="350000"/>
-              </a:schemeClr>
-            </a:gs>
-          </a:gsLst>
-          <a:lin ang="16200000" scaled="1"/>
-        </a:gradFill>
-        <a:gradFill rotWithShape="1">
-          <a:gsLst>
-            <a:gs pos="0">
-              <a:schemeClr val="phClr">
-                <a:tint val="100000"/>
-                <a:shade val="100000"/>
-                <a:satMod val="130000"/>
-              </a:schemeClr>
-            </a:gs>
-            <a:gs pos="100000">
-              <a:schemeClr val="phClr">
-                <a:tint val="50000"/>
-                <a:shade val="100000"/>
-                <a:satMod val="350000"/>
-              </a:schemeClr>
-            </a:gs>
-          </a:gsLst>
-          <a:lin ang="16200000" scaled="0"/>
-        </a:gradFill>
-      </a:fillStyleLst>
-      <a:lnStyleLst>
-        <a:ln w="9525" cap="flat" cmpd="sng" algn="ctr">
-          <a:solidFill>
-            <a:schemeClr val="phClr">
-              <a:shade val="95000"/>
-              <a:satMod val="105000"/>
-            </a:schemeClr>
-          </a:solidFill>
-          <a:prstDash val="solid"/>
-        </a:ln>
-        <a:ln w="25400" cap="flat" cmpd="sng" algn="ctr">
-          <a:solidFill>
-            <a:schemeClr val="phClr"/>
-          </a:solidFill>
-          <a:prstDash val="solid"/>
-        </a:ln>
-        <a:ln w="38100" cap="flat" cmpd="sng" algn="ctr">
-          <a:solidFill>
-            <a:schemeClr val="phClr"/>
-          </a:solidFill>
-          <a:prstDash val="solid"/>
-        </a:ln>
-      </a:lnStyleLst>
-      <a:effectStyleLst>
-        <a:effectStyle>
-          <a:effectLst>
-            <a:outerShdw blurRad="40000" dist="20000" dir="5400000" rotWithShape="0">
-              <a:srgbClr val="000000">
-                <a:alpha val="38000"/>
-              </a:srgbClr>
-            </a:outerShdw>
-          </a:effectLst>
-        </a:effectStyle>
-        <a:effectStyle>
-          <a:effectLst>
-            <a:outerShdw blurRad="40000" dist="23000" dir="5400000" rotWithShape="0">
-              <a:srgbClr val="000000">
-                <a:alpha val="35000"/>
-              </a:srgbClr>
-            </a:outerShdw>
-          </a:effectLst>
-        </a:effectStyle>
-        <a:effectStyle>
-          <a:effectLst>
-            <a:outerShdw blurRad="40000" dist="23000" dir="5400000" rotWithShape="0">
-              <a:srgbClr val="000000">
-                <a:alpha val="35000"/>
-              </a:srgbClr>
-            </a:outerShdw>
-          </a:effectLst>
-          <a:scene3d>
-            <a:camera prst="orthographicFront">
-              <a:rot lat="0" lon="0" rev="0"/>
-            </a:camera>
-            <a:lightRig rig="threePt" dir="t">
-              <a:rot lat="0" lon="0" rev="1200000"/>
-            </a:lightRig>
-          </a:scene3d>
-          <a:sp3d>
-            <a:bevelT w="63500" h="25400"/>
-          </a:sp3d>
-        </a:effectStyle>
-      </a:effectStyleLst>
-      <a:bgFillStyleLst>
-        <a:solidFill>
-          <a:schemeClr val="phClr"/>
-        </a:solidFill>
-        <a:gradFill rotWithShape="1">
-          <a:gsLst>
-            <a:gs pos="0">
-              <a:schemeClr val="phClr">
-                <a:tint val="40000"/>
-                <a:satMod val="350000"/>
-              </a:schemeClr>
-            </a:gs>
-            <a:gs pos="40000">
-              <a:schemeClr val="phClr">
-                <a:tint val="45000"/>
-                <a:shade val="99000"/>
-                <a:satMod val="350000"/>
-              </a:schemeClr>
-            </a:gs>
-            <a:gs pos="100000">
-              <a:schemeClr val="phClr">
-                <a:shade val="20000"/>
-                <a:satMod val="255000"/>
-              </a:schemeClr>
-            </a:gs>
-          </a:gsLst>
-          <a:path path="circle">
-            <a:fillToRect l="50000" t="-80000" r="50000" b="180000"/>
-          </a:path>
-        </a:gradFill>
-        <a:gradFill rotWithShape="1">
-          <a:gsLst>
-            <a:gs pos="0">
-              <a:schemeClr val="phClr">
-                <a:tint val="80000"/>
-                <a:satMod val="300000"/>
-              </a:schemeClr>
-            </a:gs>
-            <a:gs pos="100000">
-              <a:schemeClr val="phClr">
-                <a:shade val="30000"/>
-                <a:satMod val="200000"/>
-              </a:schemeClr>
-            </a:gs>
-          </a:gsLst>
-          <a:path path="circle">
-            <a:fillToRect l="50000" t="50000" r="50000" b="50000"/>
-          </a:path>
-        </a:gradFill>
-      </a:bgFillStyleLst>
-    </a:fmtScheme>
-  </a:themeElements>
-</a:theme>
 </file>